--- a/Trailers/Yeti-Proje-Sunumu.pptx
+++ b/Trailers/Yeti-Proje-Sunumu.pptx
@@ -5,20 +5,21 @@
     <p:sldMasterId id="2147483815" r:id="rId1"/>
   </p:sldMasterIdLst>
   <p:notesMasterIdLst>
-    <p:notesMasterId r:id="rId13"/>
+    <p:notesMasterId r:id="rId14"/>
   </p:notesMasterIdLst>
   <p:sldIdLst>
     <p:sldId id="256" r:id="rId2"/>
     <p:sldId id="257" r:id="rId3"/>
-    <p:sldId id="258" r:id="rId4"/>
-    <p:sldId id="259" r:id="rId5"/>
-    <p:sldId id="260" r:id="rId6"/>
-    <p:sldId id="261" r:id="rId7"/>
-    <p:sldId id="262" r:id="rId8"/>
-    <p:sldId id="264" r:id="rId9"/>
-    <p:sldId id="265" r:id="rId10"/>
-    <p:sldId id="266" r:id="rId11"/>
-    <p:sldId id="267" r:id="rId12"/>
+    <p:sldId id="268" r:id="rId4"/>
+    <p:sldId id="258" r:id="rId5"/>
+    <p:sldId id="259" r:id="rId6"/>
+    <p:sldId id="260" r:id="rId7"/>
+    <p:sldId id="261" r:id="rId8"/>
+    <p:sldId id="262" r:id="rId9"/>
+    <p:sldId id="264" r:id="rId10"/>
+    <p:sldId id="265" r:id="rId11"/>
+    <p:sldId id="266" r:id="rId12"/>
+    <p:sldId id="267" r:id="rId13"/>
   </p:sldIdLst>
   <p:sldSz cx="12192000" cy="6858000"/>
   <p:notesSz cx="6858000" cy="9144000"/>
@@ -124,6 +125,7 @@
           <p14:sldIdLst>
             <p14:sldId id="256"/>
             <p14:sldId id="257"/>
+            <p14:sldId id="268"/>
             <p14:sldId id="258"/>
             <p14:sldId id="259"/>
             <p14:sldId id="260"/>
@@ -4128,8 +4130,8 @@
         <a:lstStyle/>
         <a:p>
           <a:r>
-            <a:rPr lang="tr-TR" dirty="0" smtClean="0"/>
-            <a:t>Dashboard</a:t>
+            <a:rPr lang="tr-TR" smtClean="0"/>
+            <a:t>Gösterge Paneli</a:t>
           </a:r>
           <a:endParaRPr lang="tr-TR" dirty="0"/>
         </a:p>
@@ -9939,12 +9941,12 @@
         </a:fontRef>
       </dsp:style>
       <dsp:txBody>
-        <a:bodyPr spcFirstLastPara="0" vert="horz" wrap="square" lIns="24130" tIns="24130" rIns="24130" bIns="24130" numCol="1" spcCol="1270" anchor="ctr" anchorCtr="0">
+        <a:bodyPr spcFirstLastPara="0" vert="horz" wrap="square" lIns="23495" tIns="23495" rIns="23495" bIns="23495" numCol="1" spcCol="1270" anchor="ctr" anchorCtr="0">
           <a:noAutofit/>
         </a:bodyPr>
         <a:lstStyle/>
         <a:p>
-          <a:pPr lvl="0" algn="ctr" defTabSz="1689100">
+          <a:pPr lvl="0" algn="ctr" defTabSz="1644650">
             <a:lnSpc>
               <a:spcPct val="90000"/>
             </a:lnSpc>
@@ -9956,10 +9958,10 @@
             </a:spcAft>
           </a:pPr>
           <a:r>
-            <a:rPr lang="tr-TR" sz="3800" kern="1200" dirty="0" smtClean="0"/>
-            <a:t>Dashboard</a:t>
+            <a:rPr lang="tr-TR" sz="3700" kern="1200" smtClean="0"/>
+            <a:t>Gösterge Paneli</a:t>
           </a:r>
-          <a:endParaRPr lang="tr-TR" sz="3800" kern="1200" dirty="0"/>
+          <a:endParaRPr lang="tr-TR" sz="3700" kern="1200" dirty="0"/>
         </a:p>
       </dsp:txBody>
       <dsp:txXfrm>
@@ -23584,7 +23586,7 @@
           <a:p>
             <a:fld id="{027A6F52-BEA8-45CA-BA33-3D52699A7471}" type="datetimeFigureOut">
               <a:rPr lang="tr-TR" smtClean="0"/>
-              <a:t>8.04.2021</a:t>
+              <a:t>9.04.2021</a:t>
             </a:fld>
             <a:endParaRPr lang="tr-TR"/>
           </a:p>
@@ -23983,7 +23985,7 @@
           <a:p>
             <a:fld id="{672281ED-DA09-4113-AC32-B44FB04D7529}" type="datetimeFigureOut">
               <a:rPr lang="tr-TR" smtClean="0"/>
-              <a:t>8.04.2021</a:t>
+              <a:t>9.04.2021</a:t>
             </a:fld>
             <a:endParaRPr lang="tr-TR"/>
           </a:p>
@@ -24153,7 +24155,7 @@
           <a:p>
             <a:fld id="{672281ED-DA09-4113-AC32-B44FB04D7529}" type="datetimeFigureOut">
               <a:rPr lang="tr-TR" smtClean="0"/>
-              <a:t>8.04.2021</a:t>
+              <a:t>9.04.2021</a:t>
             </a:fld>
             <a:endParaRPr lang="tr-TR"/>
           </a:p>
@@ -24333,7 +24335,7 @@
           <a:p>
             <a:fld id="{672281ED-DA09-4113-AC32-B44FB04D7529}" type="datetimeFigureOut">
               <a:rPr lang="tr-TR" smtClean="0"/>
-              <a:t>8.04.2021</a:t>
+              <a:t>9.04.2021</a:t>
             </a:fld>
             <a:endParaRPr lang="tr-TR"/>
           </a:p>
@@ -24503,7 +24505,7 @@
           <a:p>
             <a:fld id="{672281ED-DA09-4113-AC32-B44FB04D7529}" type="datetimeFigureOut">
               <a:rPr lang="tr-TR" smtClean="0"/>
-              <a:t>8.04.2021</a:t>
+              <a:t>9.04.2021</a:t>
             </a:fld>
             <a:endParaRPr lang="tr-TR"/>
           </a:p>
@@ -24749,7 +24751,7 @@
           <a:p>
             <a:fld id="{672281ED-DA09-4113-AC32-B44FB04D7529}" type="datetimeFigureOut">
               <a:rPr lang="tr-TR" smtClean="0"/>
-              <a:t>8.04.2021</a:t>
+              <a:t>9.04.2021</a:t>
             </a:fld>
             <a:endParaRPr lang="tr-TR"/>
           </a:p>
@@ -24981,7 +24983,7 @@
           <a:p>
             <a:fld id="{672281ED-DA09-4113-AC32-B44FB04D7529}" type="datetimeFigureOut">
               <a:rPr lang="tr-TR" smtClean="0"/>
-              <a:t>8.04.2021</a:t>
+              <a:t>9.04.2021</a:t>
             </a:fld>
             <a:endParaRPr lang="tr-TR"/>
           </a:p>
@@ -25348,7 +25350,7 @@
           <a:p>
             <a:fld id="{672281ED-DA09-4113-AC32-B44FB04D7529}" type="datetimeFigureOut">
               <a:rPr lang="tr-TR" smtClean="0"/>
-              <a:t>8.04.2021</a:t>
+              <a:t>9.04.2021</a:t>
             </a:fld>
             <a:endParaRPr lang="tr-TR"/>
           </a:p>
@@ -25466,7 +25468,7 @@
           <a:p>
             <a:fld id="{672281ED-DA09-4113-AC32-B44FB04D7529}" type="datetimeFigureOut">
               <a:rPr lang="tr-TR" smtClean="0"/>
-              <a:t>8.04.2021</a:t>
+              <a:t>9.04.2021</a:t>
             </a:fld>
             <a:endParaRPr lang="tr-TR"/>
           </a:p>
@@ -25561,7 +25563,7 @@
           <a:p>
             <a:fld id="{672281ED-DA09-4113-AC32-B44FB04D7529}" type="datetimeFigureOut">
               <a:rPr lang="tr-TR" smtClean="0"/>
-              <a:t>8.04.2021</a:t>
+              <a:t>9.04.2021</a:t>
             </a:fld>
             <a:endParaRPr lang="tr-TR"/>
           </a:p>
@@ -25838,7 +25840,7 @@
           <a:p>
             <a:fld id="{672281ED-DA09-4113-AC32-B44FB04D7529}" type="datetimeFigureOut">
               <a:rPr lang="tr-TR" smtClean="0"/>
-              <a:t>8.04.2021</a:t>
+              <a:t>9.04.2021</a:t>
             </a:fld>
             <a:endParaRPr lang="tr-TR"/>
           </a:p>
@@ -26091,7 +26093,7 @@
           <a:p>
             <a:fld id="{672281ED-DA09-4113-AC32-B44FB04D7529}" type="datetimeFigureOut">
               <a:rPr lang="tr-TR" smtClean="0"/>
-              <a:t>8.04.2021</a:t>
+              <a:t>9.04.2021</a:t>
             </a:fld>
             <a:endParaRPr lang="tr-TR"/>
           </a:p>
@@ -26304,7 +26306,7 @@
           <a:p>
             <a:fld id="{672281ED-DA09-4113-AC32-B44FB04D7529}" type="datetimeFigureOut">
               <a:rPr lang="tr-TR" smtClean="0"/>
-              <a:t>8.04.2021</a:t>
+              <a:t>9.04.2021</a:t>
             </a:fld>
             <a:endParaRPr lang="tr-TR"/>
           </a:p>
@@ -27042,6 +27044,110 @@
             <p:ph type="title"/>
           </p:nvPr>
         </p:nvSpPr>
+        <p:spPr>
+          <a:xfrm>
+            <a:off x="838200" y="365125"/>
+            <a:ext cx="10515600" cy="952929"/>
+          </a:xfrm>
+        </p:spPr>
+        <p:txBody>
+          <a:bodyPr>
+            <a:normAutofit/>
+          </a:bodyPr>
+          <a:lstStyle/>
+          <a:p>
+            <a:r>
+              <a:rPr lang="tr-TR" sz="3600" dirty="0" err="1" smtClean="0"/>
+              <a:t>Arayüzde</a:t>
+            </a:r>
+            <a:r>
+              <a:rPr lang="tr-TR" sz="3600" dirty="0" smtClean="0"/>
+              <a:t> kullanılan </a:t>
+            </a:r>
+            <a:r>
+              <a:rPr lang="tr-TR" sz="3600" dirty="0" err="1" smtClean="0"/>
+              <a:t>Semantic</a:t>
+            </a:r>
+            <a:r>
+              <a:rPr lang="tr-TR" sz="3600" dirty="0" smtClean="0"/>
+              <a:t> UI bileşenleri</a:t>
+            </a:r>
+            <a:endParaRPr lang="tr-TR" sz="3600" dirty="0"/>
+          </a:p>
+        </p:txBody>
+      </p:sp>
+      <p:graphicFrame>
+        <p:nvGraphicFramePr>
+          <p:cNvPr id="5" name="İçerik Yer Tutucusu 4"/>
+          <p:cNvGraphicFramePr>
+            <a:graphicFrameLocks noGrp="1"/>
+          </p:cNvGraphicFramePr>
+          <p:nvPr>
+            <p:ph idx="1"/>
+            <p:extLst>
+              <p:ext uri="{D42A27DB-BD31-4B8C-83A1-F6EECF244321}">
+                <p14:modId xmlns:p14="http://schemas.microsoft.com/office/powerpoint/2010/main" val="1768664612"/>
+              </p:ext>
+            </p:extLst>
+          </p:nvPr>
+        </p:nvGraphicFramePr>
+        <p:xfrm>
+          <a:off x="838200" y="1103870"/>
+          <a:ext cx="10515600" cy="5626444"/>
+        </p:xfrm>
+        <a:graphic>
+          <a:graphicData uri="http://schemas.openxmlformats.org/drawingml/2006/diagram">
+            <dgm:relIds xmlns:dgm="http://schemas.openxmlformats.org/drawingml/2006/diagram" xmlns:r="http://schemas.openxmlformats.org/officeDocument/2006/relationships" r:dm="rId2" r:lo="rId3" r:qs="rId4" r:cs="rId5"/>
+          </a:graphicData>
+        </a:graphic>
+      </p:graphicFrame>
+    </p:spTree>
+    <p:extLst>
+      <p:ext uri="{BB962C8B-B14F-4D97-AF65-F5344CB8AC3E}">
+        <p14:creationId xmlns:p14="http://schemas.microsoft.com/office/powerpoint/2010/main" val="1281841600"/>
+      </p:ext>
+    </p:extLst>
+  </p:cSld>
+  <p:clrMapOvr>
+    <a:masterClrMapping/>
+  </p:clrMapOvr>
+  <p:timing>
+    <p:tnLst>
+      <p:par>
+        <p:cTn id="1" dur="indefinite" restart="never" nodeType="tmRoot"/>
+      </p:par>
+    </p:tnLst>
+  </p:timing>
+</p:sld>
+</file>
+
+<file path=ppt/slides/slide11.xml><?xml version="1.0" encoding="utf-8"?>
+<p:sld xmlns:a="http://schemas.openxmlformats.org/drawingml/2006/main" xmlns:r="http://schemas.openxmlformats.org/officeDocument/2006/relationships" xmlns:p="http://schemas.openxmlformats.org/presentationml/2006/main">
+  <p:cSld>
+    <p:spTree>
+      <p:nvGrpSpPr>
+        <p:cNvPr id="1" name=""/>
+        <p:cNvGrpSpPr/>
+        <p:nvPr/>
+      </p:nvGrpSpPr>
+      <p:grpSpPr>
+        <a:xfrm>
+          <a:off x="0" y="0"/>
+          <a:ext cx="0" cy="0"/>
+          <a:chOff x="0" y="0"/>
+          <a:chExt cx="0" cy="0"/>
+        </a:xfrm>
+      </p:grpSpPr>
+      <p:sp>
+        <p:nvSpPr>
+          <p:cNvPr id="2" name="Unvan 1"/>
+          <p:cNvSpPr>
+            <a:spLocks noGrp="1"/>
+          </p:cNvSpPr>
+          <p:nvPr>
+            <p:ph type="title"/>
+          </p:nvPr>
+        </p:nvSpPr>
         <p:spPr/>
         <p:txBody>
           <a:bodyPr/>
@@ -27057,13 +27163,11 @@
       </p:sp>
       <p:pic>
         <p:nvPicPr>
-          <p:cNvPr id="1026" name="Picture 2" descr="https://documents.lucid.app/documents/07f833ed-1b05-4468-bb44-2ed27737bd8c/pages/0_0?a=848&amp;x=7&amp;y=439&amp;w=1745&amp;h=462&amp;store=1&amp;accept=image%2F*&amp;auth=LCA%2045477bc897b56bef9b4005e7f95e970c01d676db-ts%3D1617893862"/>
+          <p:cNvPr id="6" name="Picture 2" descr="https://documents.lucid.app/documents/07f833ed-1b05-4468-bb44-2ed27737bd8c/pages/0_0?a=857&amp;x=7&amp;y=439&amp;w=1745&amp;h=462&amp;store=1&amp;accept=image%2F*&amp;auth=LCA%20f48fff6eee5c3906764a7d489fc83fa241d706b0-ts%3D1617952828"/>
           <p:cNvPicPr>
-            <a:picLocks noGrp="1" noChangeAspect="1" noChangeArrowheads="1"/>
+            <a:picLocks noChangeAspect="1" noChangeArrowheads="1"/>
           </p:cNvPicPr>
-          <p:nvPr>
-            <p:ph idx="1"/>
-          </p:nvPr>
+          <p:nvPr/>
         </p:nvPicPr>
         <p:blipFill>
           <a:blip r:embed="rId2">
@@ -27080,8 +27184,8 @@
         </p:blipFill>
         <p:spPr bwMode="auto">
           <a:xfrm>
-            <a:off x="905563" y="1638061"/>
-            <a:ext cx="10516293" cy="3828604"/>
+            <a:off x="455814" y="2099945"/>
+            <a:ext cx="11280371" cy="3305175"/>
           </a:xfrm>
           <a:prstGeom prst="rect">
             <a:avLst/>
@@ -27108,10 +27212,17 @@
   <p:clrMapOvr>
     <a:masterClrMapping/>
   </p:clrMapOvr>
+  <p:timing>
+    <p:tnLst>
+      <p:par>
+        <p:cTn id="1" dur="indefinite" restart="never" nodeType="tmRoot"/>
+      </p:par>
+    </p:tnLst>
+  </p:timing>
 </p:sld>
 </file>
 
-<file path=ppt/slides/slide11.xml><?xml version="1.0" encoding="utf-8"?>
+<file path=ppt/slides/slide12.xml><?xml version="1.0" encoding="utf-8"?>
 <p:sld xmlns:a="http://schemas.openxmlformats.org/drawingml/2006/main" xmlns:r="http://schemas.openxmlformats.org/officeDocument/2006/relationships" xmlns:p="http://schemas.openxmlformats.org/presentationml/2006/main">
   <p:cSld>
     <p:spTree>
@@ -27169,6 +27280,13 @@
   <p:clrMapOvr>
     <a:masterClrMapping/>
   </p:clrMapOvr>
+  <p:timing>
+    <p:tnLst>
+      <p:par>
+        <p:cTn id="1" dur="indefinite" restart="never" nodeType="tmRoot"/>
+      </p:par>
+    </p:tnLst>
+  </p:timing>
 </p:sld>
 </file>
 
@@ -27403,6 +27521,142 @@
             <p:ph type="title"/>
           </p:nvPr>
         </p:nvSpPr>
+        <p:spPr>
+          <a:xfrm>
+            <a:off x="2072201" y="384859"/>
+            <a:ext cx="10195999" cy="1325563"/>
+          </a:xfrm>
+        </p:spPr>
+        <p:txBody>
+          <a:bodyPr/>
+          <a:lstStyle/>
+          <a:p>
+            <a:r>
+              <a:rPr lang="tr-TR" dirty="0" smtClean="0"/>
+              <a:t>Yeti hangi problemi nasıl çözdü ?</a:t>
+            </a:r>
+            <a:endParaRPr lang="tr-TR" dirty="0"/>
+          </a:p>
+        </p:txBody>
+      </p:sp>
+      <p:sp>
+        <p:nvSpPr>
+          <p:cNvPr id="9" name="İçerik Yer Tutucusu 8"/>
+          <p:cNvSpPr>
+            <a:spLocks noGrp="1"/>
+          </p:cNvSpPr>
+          <p:nvPr>
+            <p:ph idx="1"/>
+          </p:nvPr>
+        </p:nvSpPr>
+        <p:spPr/>
+        <p:txBody>
+          <a:bodyPr/>
+          <a:lstStyle/>
+          <a:p>
+            <a:r>
+              <a:rPr lang="tr-TR" dirty="0" smtClean="0"/>
+              <a:t>Birden fazla yazılım çözümleri kullanan işletmelerde, bu yazılımlara ait  hata, geliştirme isteği ya da benzeri konularda son kullanıcıdan gelen taleplerin takibi ihtiyacını karşılar.</a:t>
+            </a:r>
+          </a:p>
+          <a:p>
+            <a:r>
+              <a:rPr lang="tr-TR" dirty="0" smtClean="0"/>
+              <a:t>Gelişmiş bir not defteri gibi davranırken, alınan notları yorumlar ve haber verir. Örneğin, yöneticiye bekleyen talep listesini gösterir.</a:t>
+            </a:r>
+          </a:p>
+          <a:p>
+            <a:r>
+              <a:rPr lang="tr-TR" dirty="0" smtClean="0"/>
+              <a:t>Son kullanıcı isteklerinin takibi tek bir yerden yapabilirken yazılım çözümlerinin sahipleri de tek bir merkezden bütün işlerini yönetebilir.</a:t>
+            </a:r>
+          </a:p>
+          <a:p>
+            <a:r>
+              <a:rPr lang="tr-TR" dirty="0" smtClean="0"/>
+              <a:t>Somut anlamda elde edilecek en önemli değer, karışıklıktan doğan zaman kaybının indirgenmesi ve süreçlerin disipline edilmesidir.</a:t>
+            </a:r>
+            <a:endParaRPr lang="tr-TR" dirty="0"/>
+          </a:p>
+        </p:txBody>
+      </p:sp>
+      <p:pic>
+        <p:nvPicPr>
+          <p:cNvPr id="13" name="Resim 12"/>
+          <p:cNvPicPr>
+            <a:picLocks noChangeAspect="1"/>
+          </p:cNvPicPr>
+          <p:nvPr/>
+        </p:nvPicPr>
+        <p:blipFill>
+          <a:blip r:embed="rId2" cstate="print">
+            <a:extLst>
+              <a:ext uri="{28A0092B-C50C-407E-A947-70E740481C1C}">
+                <a14:useLocalDpi xmlns:a14="http://schemas.microsoft.com/office/drawing/2010/main" val="0"/>
+              </a:ext>
+            </a:extLst>
+          </a:blip>
+          <a:stretch>
+            <a:fillRect/>
+          </a:stretch>
+        </p:blipFill>
+        <p:spPr>
+          <a:xfrm>
+            <a:off x="673876" y="384859"/>
+            <a:ext cx="1319384" cy="1319384"/>
+          </a:xfrm>
+          <a:prstGeom prst="rect">
+            <a:avLst/>
+          </a:prstGeom>
+        </p:spPr>
+      </p:pic>
+    </p:spTree>
+    <p:extLst>
+      <p:ext uri="{BB962C8B-B14F-4D97-AF65-F5344CB8AC3E}">
+        <p14:creationId xmlns:p14="http://schemas.microsoft.com/office/powerpoint/2010/main" val="2404398338"/>
+      </p:ext>
+    </p:extLst>
+  </p:cSld>
+  <p:clrMapOvr>
+    <a:masterClrMapping/>
+  </p:clrMapOvr>
+  <p:timing>
+    <p:tnLst>
+      <p:par>
+        <p:cTn id="1" dur="indefinite" restart="never" nodeType="tmRoot"/>
+      </p:par>
+    </p:tnLst>
+  </p:timing>
+</p:sld>
+</file>
+
+<file path=ppt/slides/slide4.xml><?xml version="1.0" encoding="utf-8"?>
+<p:sld xmlns:a="http://schemas.openxmlformats.org/drawingml/2006/main" xmlns:r="http://schemas.openxmlformats.org/officeDocument/2006/relationships" xmlns:p="http://schemas.openxmlformats.org/presentationml/2006/main">
+  <p:cSld>
+    <p:spTree>
+      <p:nvGrpSpPr>
+        <p:cNvPr id="1" name=""/>
+        <p:cNvGrpSpPr/>
+        <p:nvPr/>
+      </p:nvGrpSpPr>
+      <p:grpSpPr>
+        <a:xfrm>
+          <a:off x="0" y="0"/>
+          <a:ext cx="0" cy="0"/>
+          <a:chOff x="0" y="0"/>
+          <a:chExt cx="0" cy="0"/>
+        </a:xfrm>
+      </p:grpSpPr>
+      <p:sp>
+        <p:nvSpPr>
+          <p:cNvPr id="8" name="Unvan 7"/>
+          <p:cNvSpPr>
+            <a:spLocks noGrp="1"/>
+          </p:cNvSpPr>
+          <p:nvPr>
+            <p:ph type="title"/>
+          </p:nvPr>
+        </p:nvSpPr>
         <p:spPr/>
         <p:txBody>
           <a:bodyPr/>
@@ -27426,7 +27680,7 @@
             <p:ph sz="half" idx="1"/>
             <p:extLst>
               <p:ext uri="{D42A27DB-BD31-4B8C-83A1-F6EECF244321}">
-                <p14:modId xmlns:p14="http://schemas.microsoft.com/office/powerpoint/2010/main" val="1936130516"/>
+                <p14:modId xmlns:p14="http://schemas.microsoft.com/office/powerpoint/2010/main" val="229632196"/>
               </p:ext>
             </p:extLst>
           </p:nvPr>
@@ -27461,7 +27715,7 @@
 </p:sld>
 </file>
 
-<file path=ppt/slides/slide4.xml><?xml version="1.0" encoding="utf-8"?>
+<file path=ppt/slides/slide5.xml><?xml version="1.0" encoding="utf-8"?>
 <p:sld xmlns:a="http://schemas.openxmlformats.org/drawingml/2006/main" xmlns:r="http://schemas.openxmlformats.org/officeDocument/2006/relationships" xmlns:p="http://schemas.openxmlformats.org/presentationml/2006/main">
   <p:cSld>
     <p:spTree>
@@ -27931,7 +28185,7 @@
 </p:sld>
 </file>
 
-<file path=ppt/slides/slide5.xml><?xml version="1.0" encoding="utf-8"?>
+<file path=ppt/slides/slide6.xml><?xml version="1.0" encoding="utf-8"?>
 <p:sld xmlns:a="http://schemas.openxmlformats.org/drawingml/2006/main" xmlns:r="http://schemas.openxmlformats.org/officeDocument/2006/relationships" xmlns:p="http://schemas.openxmlformats.org/presentationml/2006/main">
   <p:cSld>
     <p:spTree>
@@ -28086,7 +28340,7 @@
 </p:sld>
 </file>
 
-<file path=ppt/slides/slide6.xml><?xml version="1.0" encoding="utf-8"?>
+<file path=ppt/slides/slide7.xml><?xml version="1.0" encoding="utf-8"?>
 <p:sld xmlns:a="http://schemas.openxmlformats.org/drawingml/2006/main" xmlns:r="http://schemas.openxmlformats.org/officeDocument/2006/relationships" xmlns:p="http://schemas.openxmlformats.org/presentationml/2006/main">
   <p:cSld>
     <p:spTree>
@@ -28234,7 +28488,7 @@
 </p:sld>
 </file>
 
-<file path=ppt/slides/slide7.xml><?xml version="1.0" encoding="utf-8"?>
+<file path=ppt/slides/slide8.xml><?xml version="1.0" encoding="utf-8"?>
 <p:sld xmlns:a="http://schemas.openxmlformats.org/drawingml/2006/main" xmlns:r="http://schemas.openxmlformats.org/officeDocument/2006/relationships" xmlns:p="http://schemas.openxmlformats.org/presentationml/2006/main">
   <p:cSld>
     <p:spTree>
@@ -28327,7 +28581,7 @@
 </p:sld>
 </file>
 
-<file path=ppt/slides/slide8.xml><?xml version="1.0" encoding="utf-8"?>
+<file path=ppt/slides/slide9.xml><?xml version="1.0" encoding="utf-8"?>
 <p:sld xmlns:a="http://schemas.openxmlformats.org/drawingml/2006/main" xmlns:r="http://schemas.openxmlformats.org/officeDocument/2006/relationships" xmlns:p="http://schemas.openxmlformats.org/presentationml/2006/main">
   <p:cSld>
     <p:spTree>
@@ -28408,103 +28662,6 @@
       </p:par>
     </p:tnLst>
   </p:timing>
-</p:sld>
-</file>
-
-<file path=ppt/slides/slide9.xml><?xml version="1.0" encoding="utf-8"?>
-<p:sld xmlns:a="http://schemas.openxmlformats.org/drawingml/2006/main" xmlns:r="http://schemas.openxmlformats.org/officeDocument/2006/relationships" xmlns:p="http://schemas.openxmlformats.org/presentationml/2006/main">
-  <p:cSld>
-    <p:spTree>
-      <p:nvGrpSpPr>
-        <p:cNvPr id="1" name=""/>
-        <p:cNvGrpSpPr/>
-        <p:nvPr/>
-      </p:nvGrpSpPr>
-      <p:grpSpPr>
-        <a:xfrm>
-          <a:off x="0" y="0"/>
-          <a:ext cx="0" cy="0"/>
-          <a:chOff x="0" y="0"/>
-          <a:chExt cx="0" cy="0"/>
-        </a:xfrm>
-      </p:grpSpPr>
-      <p:sp>
-        <p:nvSpPr>
-          <p:cNvPr id="2" name="Unvan 1"/>
-          <p:cNvSpPr>
-            <a:spLocks noGrp="1"/>
-          </p:cNvSpPr>
-          <p:nvPr>
-            <p:ph type="title"/>
-          </p:nvPr>
-        </p:nvSpPr>
-        <p:spPr>
-          <a:xfrm>
-            <a:off x="838200" y="365125"/>
-            <a:ext cx="10515600" cy="952929"/>
-          </a:xfrm>
-        </p:spPr>
-        <p:txBody>
-          <a:bodyPr>
-            <a:normAutofit/>
-          </a:bodyPr>
-          <a:lstStyle/>
-          <a:p>
-            <a:r>
-              <a:rPr lang="tr-TR" sz="3600" dirty="0" err="1" smtClean="0"/>
-              <a:t>Arayüzde</a:t>
-            </a:r>
-            <a:r>
-              <a:rPr lang="tr-TR" sz="3600" dirty="0" smtClean="0"/>
-              <a:t> kullanılan </a:t>
-            </a:r>
-            <a:r>
-              <a:rPr lang="tr-TR" sz="3600" dirty="0" err="1" smtClean="0"/>
-              <a:t>Semantic</a:t>
-            </a:r>
-            <a:r>
-              <a:rPr lang="tr-TR" sz="3600" dirty="0" smtClean="0"/>
-              <a:t> UI bileşenleri</a:t>
-            </a:r>
-            <a:endParaRPr lang="tr-TR" sz="3600" dirty="0"/>
-          </a:p>
-        </p:txBody>
-      </p:sp>
-      <p:graphicFrame>
-        <p:nvGraphicFramePr>
-          <p:cNvPr id="5" name="İçerik Yer Tutucusu 4"/>
-          <p:cNvGraphicFramePr>
-            <a:graphicFrameLocks noGrp="1"/>
-          </p:cNvGraphicFramePr>
-          <p:nvPr>
-            <p:ph idx="1"/>
-            <p:extLst>
-              <p:ext uri="{D42A27DB-BD31-4B8C-83A1-F6EECF244321}">
-                <p14:modId xmlns:p14="http://schemas.microsoft.com/office/powerpoint/2010/main" val="1768664612"/>
-              </p:ext>
-            </p:extLst>
-          </p:nvPr>
-        </p:nvGraphicFramePr>
-        <p:xfrm>
-          <a:off x="838200" y="1103870"/>
-          <a:ext cx="10515600" cy="5626444"/>
-        </p:xfrm>
-        <a:graphic>
-          <a:graphicData uri="http://schemas.openxmlformats.org/drawingml/2006/diagram">
-            <dgm:relIds xmlns:dgm="http://schemas.openxmlformats.org/drawingml/2006/diagram" xmlns:r="http://schemas.openxmlformats.org/officeDocument/2006/relationships" r:dm="rId2" r:lo="rId3" r:qs="rId4" r:cs="rId5"/>
-          </a:graphicData>
-        </a:graphic>
-      </p:graphicFrame>
-    </p:spTree>
-    <p:extLst>
-      <p:ext uri="{BB962C8B-B14F-4D97-AF65-F5344CB8AC3E}">
-        <p14:creationId xmlns:p14="http://schemas.microsoft.com/office/powerpoint/2010/main" val="1281841600"/>
-      </p:ext>
-    </p:extLst>
-  </p:cSld>
-  <p:clrMapOvr>
-    <a:masterClrMapping/>
-  </p:clrMapOvr>
 </p:sld>
 </file>
 
